--- a/presentations/weekly_meetings/2025_3_20.pptx
+++ b/presentations/weekly_meetings/2025_3_20.pptx
@@ -1308,6 +1308,26 @@
               <a:tabLst/>
               <a:defRPr/>
             </a:pPr>
+            <a:r>
+              <a:rPr lang="en-US" b="1" dirty="0"/>
+              <a:t>There are some combined </a:t>
+            </a:r>
+            <a:r>
+              <a:rPr lang="en-US" b="1" dirty="0" err="1"/>
+              <a:t>irAE</a:t>
+            </a:r>
+            <a:r>
+              <a:rPr lang="en-US" b="1" dirty="0"/>
+              <a:t> differences as well at baseline/longitudinally but follow up clearer I think for specific </a:t>
+            </a:r>
+            <a:r>
+              <a:rPr lang="en-US" b="1" dirty="0" err="1"/>
+              <a:t>irAE</a:t>
+            </a:r>
+            <a:r>
+              <a:rPr lang="en-US" b="1"/>
+              <a:t> angle?</a:t>
+            </a:r>
             <a:endParaRPr lang="en-US" b="1" dirty="0"/>
           </a:p>
         </p:txBody>
@@ -6657,7 +6677,7 @@
           <a:p>
             <a:r>
               <a:rPr lang="en-US" dirty="0"/>
-              <a:t>Main takeaway</a:t>
+              <a:t>Main takeaway to follow up on</a:t>
             </a:r>
           </a:p>
         </p:txBody>
@@ -7029,7 +7049,7 @@
             <a:pPr lvl="1"/>
             <a:r>
               <a:rPr lang="en-US" dirty="0"/>
-              <a:t>New AID samples: skin AID &amp; thyroid AID</a:t>
+              <a:t>New AID samples?</a:t>
             </a:r>
           </a:p>
           <a:p>
